--- a/slides/19-recursion-pt1.pptx
+++ b/slides/19-recursion-pt1.pptx
@@ -218,7 +218,7 @@
           <a:p>
             <a:fld id="{3CBB8A52-8AC5-C74C-97FB-632C448F3674}" type="datetimeFigureOut">
               <a:rPr lang="en-US" smtClean="0"/>
-              <a:t>10/24/23</a:t>
+              <a:t>10/30/23</a:t>
             </a:fld>
             <a:endParaRPr lang="en-US"/>
           </a:p>
@@ -978,7 +978,7 @@
             <a:fld id="{5586B75A-687E-405C-8A0B-8D00578BA2C3}" type="datetimeFigureOut">
               <a:rPr lang="en-US" smtClean="0"/>
               <a:pPr/>
-              <a:t>10/24/23</a:t>
+              <a:t>10/30/23</a:t>
             </a:fld>
             <a:endParaRPr lang="en-US" dirty="0"/>
           </a:p>
@@ -1150,7 +1150,7 @@
             <a:fld id="{5586B75A-687E-405C-8A0B-8D00578BA2C3}" type="datetimeFigureOut">
               <a:rPr lang="en-US" smtClean="0"/>
               <a:pPr/>
-              <a:t>10/24/23</a:t>
+              <a:t>10/30/23</a:t>
             </a:fld>
             <a:endParaRPr lang="en-US" dirty="0"/>
           </a:p>
@@ -1332,7 +1332,7 @@
             <a:fld id="{5586B75A-687E-405C-8A0B-8D00578BA2C3}" type="datetimeFigureOut">
               <a:rPr lang="en-US" smtClean="0"/>
               <a:pPr/>
-              <a:t>10/24/23</a:t>
+              <a:t>10/30/23</a:t>
             </a:fld>
             <a:endParaRPr lang="en-US" dirty="0"/>
           </a:p>
@@ -1504,7 +1504,7 @@
             <a:fld id="{5586B75A-687E-405C-8A0B-8D00578BA2C3}" type="datetimeFigureOut">
               <a:rPr lang="en-US" smtClean="0"/>
               <a:pPr/>
-              <a:t>10/24/23</a:t>
+              <a:t>10/30/23</a:t>
             </a:fld>
             <a:endParaRPr lang="en-US" dirty="0"/>
           </a:p>
@@ -1760,7 +1760,7 @@
             <a:fld id="{5586B75A-687E-405C-8A0B-8D00578BA2C3}" type="datetimeFigureOut">
               <a:rPr lang="en-US" smtClean="0"/>
               <a:pPr/>
-              <a:t>10/24/23</a:t>
+              <a:t>10/30/23</a:t>
             </a:fld>
             <a:endParaRPr lang="en-US" dirty="0"/>
           </a:p>
@@ -2050,7 +2050,7 @@
             <a:fld id="{5586B75A-687E-405C-8A0B-8D00578BA2C3}" type="datetimeFigureOut">
               <a:rPr lang="en-US" smtClean="0"/>
               <a:pPr/>
-              <a:t>10/24/23</a:t>
+              <a:t>10/30/23</a:t>
             </a:fld>
             <a:endParaRPr lang="en-US" dirty="0"/>
           </a:p>
@@ -2494,7 +2494,7 @@
             <a:fld id="{5586B75A-687E-405C-8A0B-8D00578BA2C3}" type="datetimeFigureOut">
               <a:rPr lang="en-US" smtClean="0"/>
               <a:pPr/>
-              <a:t>10/24/23</a:t>
+              <a:t>10/30/23</a:t>
             </a:fld>
             <a:endParaRPr lang="en-US" dirty="0"/>
           </a:p>
@@ -2614,7 +2614,7 @@
             <a:fld id="{5586B75A-687E-405C-8A0B-8D00578BA2C3}" type="datetimeFigureOut">
               <a:rPr lang="en-US" smtClean="0"/>
               <a:pPr/>
-              <a:t>10/24/23</a:t>
+              <a:t>10/30/23</a:t>
             </a:fld>
             <a:endParaRPr lang="en-US" dirty="0"/>
           </a:p>
@@ -2711,7 +2711,7 @@
             <a:fld id="{5586B75A-687E-405C-8A0B-8D00578BA2C3}" type="datetimeFigureOut">
               <a:rPr lang="en-US" smtClean="0"/>
               <a:pPr/>
-              <a:t>10/24/23</a:t>
+              <a:t>10/30/23</a:t>
             </a:fld>
             <a:endParaRPr lang="en-US" dirty="0"/>
           </a:p>
@@ -3001,7 +3001,7 @@
             <a:fld id="{5586B75A-687E-405C-8A0B-8D00578BA2C3}" type="datetimeFigureOut">
               <a:rPr lang="en-US" smtClean="0"/>
               <a:pPr/>
-              <a:t>10/24/23</a:t>
+              <a:t>10/30/23</a:t>
             </a:fld>
             <a:endParaRPr lang="en-US" dirty="0"/>
           </a:p>
@@ -3276,7 +3276,7 @@
             <a:fld id="{5586B75A-687E-405C-8A0B-8D00578BA2C3}" type="datetimeFigureOut">
               <a:rPr lang="en-US" smtClean="0"/>
               <a:pPr/>
-              <a:t>10/24/23</a:t>
+              <a:t>10/30/23</a:t>
             </a:fld>
             <a:endParaRPr lang="en-US" dirty="0"/>
           </a:p>
@@ -3575,7 +3575,7 @@
             <a:fld id="{5586B75A-687E-405C-8A0B-8D00578BA2C3}" type="datetimeFigureOut">
               <a:rPr lang="en-US" smtClean="0"/>
               <a:pPr/>
-              <a:t>10/24/23</a:t>
+              <a:t>10/30/23</a:t>
             </a:fld>
             <a:endParaRPr lang="en-US" dirty="0"/>
           </a:p>
@@ -4083,13 +4083,14 @@
           <a:lstStyle/>
           <a:p>
             <a:r>
+              <a:rPr lang="en-US" dirty="0"/>
+              <a:t>Intro to Coding with Python– Recursion Pt. </a:t>
+            </a:r>
+            <a:r>
               <a:rPr lang="en-US"/>
-              <a:t>Intro </a:t>
-            </a:r>
-            <a:r>
-              <a:rPr lang="en-US" dirty="0"/>
-              <a:t>to Coding with Python– Code Reuse</a:t>
-            </a:r>
+              <a:t>1</a:t>
+            </a:r>
+            <a:endParaRPr lang="en-US" dirty="0"/>
           </a:p>
         </p:txBody>
       </p:sp>
@@ -7768,8 +7769,8 @@
           </a:graphicData>
         </a:graphic>
       </p:graphicFrame>
-      <mc:AlternateContent xmlns:mc="http://schemas.openxmlformats.org/markup-compatibility/2006">
-        <mc:Choice xmlns:a14="http://schemas.microsoft.com/office/drawing/2010/main" Requires="a14">
+      <mc:AlternateContent xmlns:mc="http://schemas.openxmlformats.org/markup-compatibility/2006" xmlns:a14="http://schemas.microsoft.com/office/drawing/2010/main">
+        <mc:Choice Requires="a14">
           <p:sp>
             <p:nvSpPr>
               <p:cNvPr id="5" name="Content Placeholder 4">
@@ -7904,7 +7905,7 @@
             </p:txBody>
           </p:sp>
         </mc:Choice>
-        <mc:Fallback>
+        <mc:Fallback xmlns="">
           <p:sp>
             <p:nvSpPr>
               <p:cNvPr id="5" name="Content Placeholder 4">
